--- a/Using and AzurePass with your LiveID.pptx
+++ b/Using and AzurePass with your LiveID.pptx
@@ -5,22 +5,23 @@
     <p:sldMasterId id="2147483660" r:id="rId4"/>
   </p:sldMasterIdLst>
   <p:notesMasterIdLst>
-    <p:notesMasterId r:id="rId18"/>
+    <p:notesMasterId r:id="rId19"/>
   </p:notesMasterIdLst>
   <p:sldIdLst>
-    <p:sldId id="256" r:id="rId5"/>
-    <p:sldId id="272" r:id="rId6"/>
-    <p:sldId id="273" r:id="rId7"/>
-    <p:sldId id="274" r:id="rId8"/>
-    <p:sldId id="278" r:id="rId9"/>
-    <p:sldId id="279" r:id="rId10"/>
-    <p:sldId id="280" r:id="rId11"/>
-    <p:sldId id="281" r:id="rId12"/>
-    <p:sldId id="282" r:id="rId13"/>
-    <p:sldId id="283" r:id="rId14"/>
-    <p:sldId id="277" r:id="rId15"/>
-    <p:sldId id="287" r:id="rId16"/>
-    <p:sldId id="271" r:id="rId17"/>
+    <p:sldId id="288" r:id="rId5"/>
+    <p:sldId id="256" r:id="rId6"/>
+    <p:sldId id="272" r:id="rId7"/>
+    <p:sldId id="273" r:id="rId8"/>
+    <p:sldId id="274" r:id="rId9"/>
+    <p:sldId id="278" r:id="rId10"/>
+    <p:sldId id="279" r:id="rId11"/>
+    <p:sldId id="280" r:id="rId12"/>
+    <p:sldId id="281" r:id="rId13"/>
+    <p:sldId id="282" r:id="rId14"/>
+    <p:sldId id="283" r:id="rId15"/>
+    <p:sldId id="277" r:id="rId16"/>
+    <p:sldId id="287" r:id="rId17"/>
+    <p:sldId id="271" r:id="rId18"/>
   </p:sldIdLst>
   <p:sldSz cx="12192000" cy="6858000"/>
   <p:notesSz cx="6858000" cy="9144000"/>
@@ -209,7 +210,7 @@
           <a:p>
             <a:fld id="{3CB58323-9A8E-4DE8-8413-C22175F7D922}" type="datetimeFigureOut">
               <a:rPr lang="en-US" smtClean="0"/>
-              <a:t>8/26/2015</a:t>
+              <a:t>9/1/2015</a:t>
             </a:fld>
             <a:endParaRPr lang="en-US"/>
           </a:p>
@@ -601,7 +602,7 @@
                 </a:solidFill>
               </a:rPr>
               <a:pPr/>
-              <a:t>1</a:t>
+              <a:t>2</a:t>
             </a:fld>
             <a:endParaRPr lang="en-US" dirty="0">
               <a:solidFill>
@@ -748,7 +749,7 @@
                 </a:solidFill>
               </a:rPr>
               <a:pPr/>
-              <a:t>11</a:t>
+              <a:t>12</a:t>
             </a:fld>
             <a:endParaRPr lang="en-US" dirty="0">
               <a:solidFill>
@@ -5640,6 +5641,927 @@
           <a:chExt cx="0" cy="0"/>
         </a:xfrm>
       </p:grpSpPr>
+      <p:sp>
+        <p:nvSpPr>
+          <p:cNvPr id="2" name="Title 1"/>
+          <p:cNvSpPr>
+            <a:spLocks noGrp="1"/>
+          </p:cNvSpPr>
+          <p:nvPr>
+            <p:ph type="title"/>
+          </p:nvPr>
+        </p:nvSpPr>
+        <p:spPr/>
+        <p:txBody>
+          <a:bodyPr/>
+          <a:lstStyle/>
+          <a:p>
+            <a:r>
+              <a:rPr lang="en-US" dirty="0" smtClean="0"/>
+              <a:t>ISV Data Camp HOL Requirements</a:t>
+            </a:r>
+            <a:endParaRPr lang="en-NZ" dirty="0"/>
+          </a:p>
+        </p:txBody>
+      </p:sp>
+      <p:sp>
+        <p:nvSpPr>
+          <p:cNvPr id="3" name="Content Placeholder 2"/>
+          <p:cNvSpPr>
+            <a:spLocks noGrp="1"/>
+          </p:cNvSpPr>
+          <p:nvPr>
+            <p:ph sz="quarter" idx="10"/>
+          </p:nvPr>
+        </p:nvSpPr>
+        <p:spPr>
+          <a:xfrm>
+            <a:off x="269239" y="1663938"/>
+            <a:ext cx="10757098" cy="3476593"/>
+          </a:xfrm>
+        </p:spPr>
+        <p:txBody>
+          <a:bodyPr/>
+          <a:lstStyle/>
+          <a:p>
+            <a:r>
+              <a:rPr lang="en-US" dirty="0" smtClean="0"/>
+              <a:t>Part of the experience at the ISV Data camps is a collection of hands-on-labs.  To get the best value from these HOLs you’ll need a paid Azure account</a:t>
+            </a:r>
+          </a:p>
+          <a:p>
+            <a:pPr lvl="1"/>
+            <a:r>
+              <a:rPr lang="en-US" dirty="0" smtClean="0"/>
+              <a:t>MSDN accounts won’t work with Azure Search and will cause the day-1 labs to fail</a:t>
+            </a:r>
+          </a:p>
+          <a:p>
+            <a:pPr lvl="1"/>
+            <a:r>
+              <a:rPr lang="en-US" dirty="0" smtClean="0"/>
+              <a:t>Corporate accounts (Azure Active Directory) typically bring other challenges</a:t>
+            </a:r>
+          </a:p>
+          <a:p>
+            <a:r>
+              <a:rPr lang="en-US" dirty="0" smtClean="0"/>
+              <a:t>We strongly recommend you create a new MSA (</a:t>
+            </a:r>
+            <a:r>
+              <a:rPr lang="en-US" dirty="0" err="1" smtClean="0"/>
+              <a:t>LiveID</a:t>
+            </a:r>
+            <a:r>
+              <a:rPr lang="en-US" dirty="0" smtClean="0"/>
+              <a:t>) </a:t>
+            </a:r>
+            <a:r>
+              <a:rPr lang="en-US" i="1" dirty="0" smtClean="0">
+                <a:hlinkClick r:id="rId2"/>
+              </a:rPr>
+              <a:t>fred@outlook.com</a:t>
+            </a:r>
+            <a:r>
+              <a:rPr lang="en-US" dirty="0" smtClean="0"/>
+              <a:t> and use this for the HOLs</a:t>
+            </a:r>
+            <a:endParaRPr lang="en-NZ" dirty="0"/>
+          </a:p>
+        </p:txBody>
+      </p:sp>
+    </p:spTree>
+    <p:extLst>
+      <p:ext uri="{BB962C8B-B14F-4D97-AF65-F5344CB8AC3E}">
+        <p14:creationId xmlns:p14="http://schemas.microsoft.com/office/powerpoint/2010/main" val="2551971551"/>
+      </p:ext>
+    </p:extLst>
+  </p:cSld>
+  <p:clrMapOvr>
+    <a:masterClrMapping/>
+  </p:clrMapOvr>
+  <p:transition>
+    <p:fade/>
+  </p:transition>
+</p:sld>
+</file>
+
+<file path=ppt/slides/slide10.xml><?xml version="1.0" encoding="utf-8"?>
+<p:sld xmlns:a="http://schemas.openxmlformats.org/drawingml/2006/main" xmlns:r="http://schemas.openxmlformats.org/officeDocument/2006/relationships" xmlns:p="http://schemas.openxmlformats.org/presentationml/2006/main">
+  <p:cSld>
+    <p:spTree>
+      <p:nvGrpSpPr>
+        <p:cNvPr id="1" name=""/>
+        <p:cNvGrpSpPr/>
+        <p:nvPr/>
+      </p:nvGrpSpPr>
+      <p:grpSpPr>
+        <a:xfrm>
+          <a:off x="0" y="0"/>
+          <a:ext cx="0" cy="0"/>
+          <a:chOff x="0" y="0"/>
+          <a:chExt cx="0" cy="0"/>
+        </a:xfrm>
+      </p:grpSpPr>
+      <p:sp>
+        <p:nvSpPr>
+          <p:cNvPr id="3" name="Title 2"/>
+          <p:cNvSpPr>
+            <a:spLocks noGrp="1"/>
+          </p:cNvSpPr>
+          <p:nvPr>
+            <p:ph type="title"/>
+          </p:nvPr>
+        </p:nvSpPr>
+        <p:spPr/>
+        <p:txBody>
+          <a:bodyPr/>
+          <a:lstStyle/>
+          <a:p>
+            <a:r>
+              <a:rPr lang="en-US" sz="3200" dirty="0" smtClean="0"/>
+              <a:t>It make take a few minutes, </a:t>
+            </a:r>
+            <a:r>
+              <a:rPr lang="en-US" sz="3200" b="1" dirty="0" smtClean="0"/>
+              <a:t>DO NOT </a:t>
+            </a:r>
+            <a:r>
+              <a:rPr lang="en-US" sz="3200" dirty="0" smtClean="0"/>
+              <a:t>refresh or close your browser</a:t>
+            </a:r>
+            <a:endParaRPr lang="en-US" sz="3200" dirty="0"/>
+          </a:p>
+        </p:txBody>
+      </p:sp>
+      <p:pic>
+        <p:nvPicPr>
+          <p:cNvPr id="4" name="Picture 3"/>
+          <p:cNvPicPr>
+            <a:picLocks noChangeAspect="1"/>
+          </p:cNvPicPr>
+          <p:nvPr/>
+        </p:nvPicPr>
+        <p:blipFill>
+          <a:blip r:embed="rId2"/>
+          <a:stretch>
+            <a:fillRect/>
+          </a:stretch>
+        </p:blipFill>
+        <p:spPr>
+          <a:xfrm>
+            <a:off x="5286375" y="1900237"/>
+            <a:ext cx="6076950" cy="2371725"/>
+          </a:xfrm>
+          <a:prstGeom prst="rect">
+            <a:avLst/>
+          </a:prstGeom>
+        </p:spPr>
+      </p:pic>
+    </p:spTree>
+    <p:extLst>
+      <p:ext uri="{BB962C8B-B14F-4D97-AF65-F5344CB8AC3E}">
+        <p14:creationId xmlns:p14="http://schemas.microsoft.com/office/powerpoint/2010/main" val="879597395"/>
+      </p:ext>
+    </p:extLst>
+  </p:cSld>
+  <p:clrMapOvr>
+    <a:masterClrMapping/>
+  </p:clrMapOvr>
+  <p:transition>
+    <p:fade/>
+  </p:transition>
+</p:sld>
+</file>
+
+<file path=ppt/slides/slide11.xml><?xml version="1.0" encoding="utf-8"?>
+<p:sld xmlns:a="http://schemas.openxmlformats.org/drawingml/2006/main" xmlns:r="http://schemas.openxmlformats.org/officeDocument/2006/relationships" xmlns:p="http://schemas.openxmlformats.org/presentationml/2006/main">
+  <p:cSld>
+    <p:spTree>
+      <p:nvGrpSpPr>
+        <p:cNvPr id="1" name=""/>
+        <p:cNvGrpSpPr/>
+        <p:nvPr/>
+      </p:nvGrpSpPr>
+      <p:grpSpPr>
+        <a:xfrm>
+          <a:off x="0" y="0"/>
+          <a:ext cx="0" cy="0"/>
+          <a:chOff x="0" y="0"/>
+          <a:chExt cx="0" cy="0"/>
+        </a:xfrm>
+      </p:grpSpPr>
+      <p:sp>
+        <p:nvSpPr>
+          <p:cNvPr id="3" name="Title 2"/>
+          <p:cNvSpPr>
+            <a:spLocks noGrp="1"/>
+          </p:cNvSpPr>
+          <p:nvPr>
+            <p:ph type="title"/>
+          </p:nvPr>
+        </p:nvSpPr>
+        <p:spPr/>
+        <p:txBody>
+          <a:bodyPr/>
+          <a:lstStyle/>
+          <a:p>
+            <a:r>
+              <a:rPr lang="en-US" sz="2400" dirty="0" smtClean="0"/>
+              <a:t>Your subscription has been created and is being provisioned, this can take up to 10 minutes.  If it takes longer, reach out to support.</a:t>
+            </a:r>
+            <a:br>
+              <a:rPr lang="en-US" sz="2400" dirty="0" smtClean="0"/>
+            </a:br>
+            <a:r>
+              <a:rPr lang="en-US" sz="2400" dirty="0"/>
+              <a:t>	</a:t>
+            </a:r>
+            <a:r>
+              <a:rPr lang="en-US" sz="1800" dirty="0" smtClean="0"/>
+              <a:t>You may need to refresh the page</a:t>
+            </a:r>
+            <a:r>
+              <a:rPr lang="en-US" sz="2400" dirty="0" smtClean="0"/>
+              <a:t/>
+            </a:r>
+            <a:br>
+              <a:rPr lang="en-US" sz="2400" dirty="0" smtClean="0"/>
+            </a:br>
+            <a:r>
+              <a:rPr lang="en-US" sz="2400" dirty="0"/>
+              <a:t/>
+            </a:r>
+            <a:br>
+              <a:rPr lang="en-US" sz="2400" dirty="0"/>
+            </a:br>
+            <a:r>
+              <a:rPr lang="en-US" sz="2400" dirty="0" smtClean="0"/>
+              <a:t>After your subscription is provisioned you can start using by clicking ‘Portal.’</a:t>
+            </a:r>
+            <a:br>
+              <a:rPr lang="en-US" sz="2400" dirty="0" smtClean="0"/>
+            </a:br>
+            <a:r>
+              <a:rPr lang="en-US" sz="2400" dirty="0"/>
+              <a:t/>
+            </a:r>
+            <a:br>
+              <a:rPr lang="en-US" sz="2400" dirty="0"/>
+            </a:br>
+            <a:r>
+              <a:rPr lang="en-US" sz="2400" dirty="0" smtClean="0"/>
+              <a:t>In the future you can navigate directly to the management portal: http://manage.windowsazure.com</a:t>
+            </a:r>
+            <a:endParaRPr lang="en-US" sz="2400" dirty="0"/>
+          </a:p>
+        </p:txBody>
+      </p:sp>
+      <p:pic>
+        <p:nvPicPr>
+          <p:cNvPr id="4" name="Picture 3"/>
+          <p:cNvPicPr>
+            <a:picLocks noChangeAspect="1"/>
+          </p:cNvPicPr>
+          <p:nvPr/>
+        </p:nvPicPr>
+        <p:blipFill rotWithShape="1">
+          <a:blip r:embed="rId2"/>
+          <a:srcRect r="20171"/>
+          <a:stretch/>
+        </p:blipFill>
+        <p:spPr>
+          <a:xfrm>
+            <a:off x="5301268" y="1187620"/>
+            <a:ext cx="6361831" cy="4482760"/>
+          </a:xfrm>
+          <a:prstGeom prst="rect">
+            <a:avLst/>
+          </a:prstGeom>
+        </p:spPr>
+      </p:pic>
+    </p:spTree>
+    <p:extLst>
+      <p:ext uri="{BB962C8B-B14F-4D97-AF65-F5344CB8AC3E}">
+        <p14:creationId xmlns:p14="http://schemas.microsoft.com/office/powerpoint/2010/main" val="4261315868"/>
+      </p:ext>
+    </p:extLst>
+  </p:cSld>
+  <p:clrMapOvr>
+    <a:masterClrMapping/>
+  </p:clrMapOvr>
+  <p:transition>
+    <p:fade/>
+  </p:transition>
+</p:sld>
+</file>
+
+<file path=ppt/slides/slide12.xml><?xml version="1.0" encoding="utf-8"?>
+<p:sld xmlns:a="http://schemas.openxmlformats.org/drawingml/2006/main" xmlns:r="http://schemas.openxmlformats.org/officeDocument/2006/relationships" xmlns:p="http://schemas.openxmlformats.org/presentationml/2006/main">
+  <p:cSld>
+    <p:spTree>
+      <p:nvGrpSpPr>
+        <p:cNvPr id="1" name=""/>
+        <p:cNvGrpSpPr/>
+        <p:nvPr/>
+      </p:nvGrpSpPr>
+      <p:grpSpPr>
+        <a:xfrm>
+          <a:off x="0" y="0"/>
+          <a:ext cx="0" cy="0"/>
+          <a:chOff x="0" y="0"/>
+          <a:chExt cx="0" cy="0"/>
+        </a:xfrm>
+      </p:grpSpPr>
+      <p:pic>
+        <p:nvPicPr>
+          <p:cNvPr id="4" name="Picture Placeholder 3"/>
+          <p:cNvPicPr>
+            <a:picLocks noGrp="1" noChangeAspect="1"/>
+          </p:cNvPicPr>
+          <p:nvPr>
+            <p:ph type="pic" sz="quarter" idx="10"/>
+          </p:nvPr>
+        </p:nvPicPr>
+        <p:blipFill>
+          <a:blip r:embed="rId3">
+            <a:extLst>
+              <a:ext uri="{28A0092B-C50C-407E-A947-70E740481C1C}">
+                <a14:useLocalDpi xmlns:a14="http://schemas.microsoft.com/office/drawing/2010/main" val="0"/>
+              </a:ext>
+            </a:extLst>
+          </a:blip>
+          <a:srcRect t="7818" b="7818"/>
+          <a:stretch>
+            <a:fillRect/>
+          </a:stretch>
+        </p:blipFill>
+        <p:spPr>
+          <a:xfrm>
+            <a:off x="0" y="0"/>
+            <a:ext cx="12192000" cy="6858000"/>
+          </a:xfrm>
+        </p:spPr>
+      </p:pic>
+      <p:sp>
+        <p:nvSpPr>
+          <p:cNvPr id="7" name="Rectangle 6"/>
+          <p:cNvSpPr/>
+          <p:nvPr/>
+        </p:nvSpPr>
+        <p:spPr bwMode="ltGray">
+          <a:xfrm>
+            <a:off x="269240" y="302047"/>
+            <a:ext cx="5378549" cy="5368016"/>
+          </a:xfrm>
+          <a:prstGeom prst="rect">
+            <a:avLst/>
+          </a:prstGeom>
+          <a:solidFill>
+            <a:schemeClr val="accent1">
+              <a:alpha val="90000"/>
+            </a:schemeClr>
+          </a:solidFill>
+          <a:ln>
+            <a:noFill/>
+            <a:headEnd type="none" w="med" len="med"/>
+            <a:tailEnd type="none" w="med" len="med"/>
+          </a:ln>
+          <a:effectLst/>
+        </p:spPr>
+        <p:style>
+          <a:lnRef idx="1">
+            <a:schemeClr val="accent2"/>
+          </a:lnRef>
+          <a:fillRef idx="3">
+            <a:schemeClr val="accent2"/>
+          </a:fillRef>
+          <a:effectRef idx="2">
+            <a:schemeClr val="accent2"/>
+          </a:effectRef>
+          <a:fontRef idx="minor">
+            <a:schemeClr val="lt1"/>
+          </a:fontRef>
+        </p:style>
+        <p:txBody>
+          <a:bodyPr rot="0" spcFirstLastPara="0" vertOverflow="overflow" horzOverflow="overflow" vert="horz" wrap="square" lIns="179285" tIns="143428" rIns="179285" bIns="143428" numCol="1" spcCol="0" rtlCol="0" fromWordArt="0" anchor="t" anchorCtr="0" forceAA="0" compatLnSpc="1">
+            <a:prstTxWarp prst="textNoShape">
+              <a:avLst/>
+            </a:prstTxWarp>
+            <a:noAutofit/>
+          </a:bodyPr>
+          <a:lstStyle/>
+          <a:p>
+            <a:pPr algn="ctr" defTabSz="914102" fontAlgn="base">
+              <a:lnSpc>
+                <a:spcPct val="90000"/>
+              </a:lnSpc>
+              <a:spcBef>
+                <a:spcPct val="0"/>
+              </a:spcBef>
+              <a:spcAft>
+                <a:spcPct val="0"/>
+              </a:spcAft>
+            </a:pPr>
+            <a:endParaRPr lang="en-US" sz="2353" dirty="0" err="1">
+              <a:gradFill>
+                <a:gsLst>
+                  <a:gs pos="0">
+                    <a:srgbClr val="FFFFFF"/>
+                  </a:gs>
+                  <a:gs pos="100000">
+                    <a:srgbClr val="FFFFFF"/>
+                  </a:gs>
+                </a:gsLst>
+                <a:lin ang="5400000" scaled="0"/>
+              </a:gradFill>
+              <a:ea typeface="Segoe UI" pitchFamily="34" charset="0"/>
+              <a:cs typeface="Segoe UI" pitchFamily="34" charset="0"/>
+            </a:endParaRPr>
+          </a:p>
+        </p:txBody>
+      </p:sp>
+      <p:sp>
+        <p:nvSpPr>
+          <p:cNvPr id="17" name="Title 16"/>
+          <p:cNvSpPr>
+            <a:spLocks noGrp="1"/>
+          </p:cNvSpPr>
+          <p:nvPr>
+            <p:ph type="title"/>
+          </p:nvPr>
+        </p:nvSpPr>
+        <p:spPr/>
+        <p:txBody>
+          <a:bodyPr/>
+          <a:lstStyle/>
+          <a:p>
+            <a:r>
+              <a:rPr lang="en-US" dirty="0" smtClean="0"/>
+              <a:t>Creating a New Microsoft Account</a:t>
+            </a:r>
+            <a:endParaRPr lang="en-US" dirty="0"/>
+          </a:p>
+        </p:txBody>
+      </p:sp>
+      <p:pic>
+        <p:nvPicPr>
+          <p:cNvPr id="11" name="Picture 10"/>
+          <p:cNvPicPr>
+            <a:picLocks noChangeAspect="1"/>
+          </p:cNvPicPr>
+          <p:nvPr/>
+        </p:nvPicPr>
+        <p:blipFill rotWithShape="1">
+          <a:blip r:embed="rId4" cstate="print">
+            <a:extLst>
+              <a:ext uri="{28A0092B-C50C-407E-A947-70E740481C1C}">
+                <a14:useLocalDpi xmlns:a14="http://schemas.microsoft.com/office/drawing/2010/main" val="0"/>
+              </a:ext>
+            </a:extLst>
+          </a:blip>
+          <a:stretch/>
+        </p:blipFill>
+        <p:spPr bwMode="invGray">
+          <a:xfrm>
+            <a:off x="10141012" y="469108"/>
+            <a:ext cx="1595765" cy="340641"/>
+          </a:xfrm>
+          <a:prstGeom prst="rect">
+            <a:avLst/>
+          </a:prstGeom>
+          <a:noFill/>
+          <a:ln>
+            <a:noFill/>
+          </a:ln>
+        </p:spPr>
+      </p:pic>
+      <p:pic>
+        <p:nvPicPr>
+          <p:cNvPr id="9" name="Picture 8"/>
+          <p:cNvPicPr>
+            <a:picLocks noChangeAspect="1"/>
+          </p:cNvPicPr>
+          <p:nvPr/>
+        </p:nvPicPr>
+        <p:blipFill>
+          <a:blip r:embed="rId5" cstate="print">
+            <a:extLst>
+              <a:ext uri="{28A0092B-C50C-407E-A947-70E740481C1C}">
+                <a14:useLocalDpi xmlns:a14="http://schemas.microsoft.com/office/drawing/2010/main" val="0"/>
+              </a:ext>
+            </a:extLst>
+          </a:blip>
+          <a:stretch>
+            <a:fillRect/>
+          </a:stretch>
+        </p:blipFill>
+        <p:spPr>
+          <a:xfrm>
+            <a:off x="336583" y="5150703"/>
+            <a:ext cx="1890077" cy="434795"/>
+          </a:xfrm>
+          <a:prstGeom prst="rect">
+            <a:avLst/>
+          </a:prstGeom>
+        </p:spPr>
+      </p:pic>
+    </p:spTree>
+    <p:extLst>
+      <p:ext uri="{BB962C8B-B14F-4D97-AF65-F5344CB8AC3E}">
+        <p14:creationId xmlns:p14="http://schemas.microsoft.com/office/powerpoint/2010/main" val="3717562559"/>
+      </p:ext>
+    </p:extLst>
+  </p:cSld>
+  <p:clrMapOvr>
+    <a:masterClrMapping/>
+  </p:clrMapOvr>
+  <mc:AlternateContent xmlns:mc="http://schemas.openxmlformats.org/markup-compatibility/2006" xmlns:p14="http://schemas.microsoft.com/office/powerpoint/2010/main">
+    <mc:Choice Requires="p14">
+      <p:transition spd="med" p14:dur="700">
+        <p:fade/>
+      </p:transition>
+    </mc:Choice>
+    <mc:Fallback xmlns="">
+      <p:transition spd="med">
+        <p:fade/>
+      </p:transition>
+    </mc:Fallback>
+  </mc:AlternateContent>
+  <p:timing>
+    <p:tnLst>
+      <p:par>
+        <p:cTn id="1" dur="indefinite" restart="never" nodeType="tmRoot"/>
+      </p:par>
+    </p:tnLst>
+  </p:timing>
+</p:sld>
+</file>
+
+<file path=ppt/slides/slide13.xml><?xml version="1.0" encoding="utf-8"?>
+<p:sld xmlns:a="http://schemas.openxmlformats.org/drawingml/2006/main" xmlns:r="http://schemas.openxmlformats.org/officeDocument/2006/relationships" xmlns:p="http://schemas.openxmlformats.org/presentationml/2006/main">
+  <p:cSld>
+    <p:spTree>
+      <p:nvGrpSpPr>
+        <p:cNvPr id="1" name=""/>
+        <p:cNvGrpSpPr/>
+        <p:nvPr/>
+      </p:nvGrpSpPr>
+      <p:grpSpPr>
+        <a:xfrm>
+          <a:off x="0" y="0"/>
+          <a:ext cx="0" cy="0"/>
+          <a:chOff x="0" y="0"/>
+          <a:chExt cx="0" cy="0"/>
+        </a:xfrm>
+      </p:grpSpPr>
+      <p:sp>
+        <p:nvSpPr>
+          <p:cNvPr id="6" name="Title 5"/>
+          <p:cNvSpPr>
+            <a:spLocks noGrp="1"/>
+          </p:cNvSpPr>
+          <p:nvPr>
+            <p:ph type="title"/>
+          </p:nvPr>
+        </p:nvSpPr>
+        <p:spPr/>
+        <p:txBody>
+          <a:bodyPr/>
+          <a:lstStyle/>
+          <a:p>
+            <a:r>
+              <a:rPr lang="en-US" sz="3600" dirty="0" smtClean="0"/>
+              <a:t>You can create a new Microsoft Account, or you can use an existing email address.</a:t>
+            </a:r>
+            <a:endParaRPr lang="en-US" sz="3600" dirty="0"/>
+          </a:p>
+        </p:txBody>
+      </p:sp>
+      <p:pic>
+        <p:nvPicPr>
+          <p:cNvPr id="7" name="Picture 6"/>
+          <p:cNvPicPr>
+            <a:picLocks noChangeAspect="1"/>
+          </p:cNvPicPr>
+          <p:nvPr/>
+        </p:nvPicPr>
+        <p:blipFill>
+          <a:blip r:embed="rId2"/>
+          <a:stretch>
+            <a:fillRect/>
+          </a:stretch>
+        </p:blipFill>
+        <p:spPr>
+          <a:xfrm>
+            <a:off x="6112645" y="2057399"/>
+            <a:ext cx="5866889" cy="4572000"/>
+          </a:xfrm>
+          <a:prstGeom prst="rect">
+            <a:avLst/>
+          </a:prstGeom>
+        </p:spPr>
+      </p:pic>
+      <p:pic>
+        <p:nvPicPr>
+          <p:cNvPr id="8" name="Picture 7"/>
+          <p:cNvPicPr>
+            <a:picLocks noChangeAspect="1"/>
+          </p:cNvPicPr>
+          <p:nvPr/>
+        </p:nvPicPr>
+        <p:blipFill>
+          <a:blip r:embed="rId3"/>
+          <a:stretch>
+            <a:fillRect/>
+          </a:stretch>
+        </p:blipFill>
+        <p:spPr>
+          <a:xfrm>
+            <a:off x="212466" y="2057399"/>
+            <a:ext cx="5687713" cy="4572000"/>
+          </a:xfrm>
+          <a:prstGeom prst="rect">
+            <a:avLst/>
+          </a:prstGeom>
+        </p:spPr>
+      </p:pic>
+      <p:sp>
+        <p:nvSpPr>
+          <p:cNvPr id="9" name="TextBox 8"/>
+          <p:cNvSpPr txBox="1"/>
+          <p:nvPr/>
+        </p:nvSpPr>
+        <p:spPr>
+          <a:xfrm>
+            <a:off x="1275481" y="1429535"/>
+            <a:ext cx="3561681" cy="627864"/>
+          </a:xfrm>
+          <a:prstGeom prst="rect">
+            <a:avLst/>
+          </a:prstGeom>
+          <a:noFill/>
+        </p:spPr>
+        <p:txBody>
+          <a:bodyPr wrap="none" lIns="182880" tIns="146304" rIns="182880" bIns="146304" rtlCol="0">
+            <a:spAutoFit/>
+          </a:bodyPr>
+          <a:lstStyle/>
+          <a:p>
+            <a:pPr>
+              <a:lnSpc>
+                <a:spcPct val="90000"/>
+              </a:lnSpc>
+              <a:spcAft>
+                <a:spcPts val="600"/>
+              </a:spcAft>
+            </a:pPr>
+            <a:r>
+              <a:rPr lang="en-US" sz="2400" dirty="0" smtClean="0">
+                <a:gradFill>
+                  <a:gsLst>
+                    <a:gs pos="2917">
+                      <a:schemeClr val="tx1"/>
+                    </a:gs>
+                    <a:gs pos="30000">
+                      <a:schemeClr val="tx1"/>
+                    </a:gs>
+                  </a:gsLst>
+                  <a:lin ang="5400000" scaled="0"/>
+                </a:gradFill>
+              </a:rPr>
+              <a:t>New Microsoft Account</a:t>
+            </a:r>
+          </a:p>
+        </p:txBody>
+      </p:sp>
+      <p:sp>
+        <p:nvSpPr>
+          <p:cNvPr id="10" name="TextBox 9"/>
+          <p:cNvSpPr txBox="1"/>
+          <p:nvPr/>
+        </p:nvSpPr>
+        <p:spPr>
+          <a:xfrm>
+            <a:off x="7936490" y="1429535"/>
+            <a:ext cx="2219197" cy="627864"/>
+          </a:xfrm>
+          <a:prstGeom prst="rect">
+            <a:avLst/>
+          </a:prstGeom>
+          <a:noFill/>
+        </p:spPr>
+        <p:txBody>
+          <a:bodyPr wrap="none" lIns="182880" tIns="146304" rIns="182880" bIns="146304" rtlCol="0">
+            <a:spAutoFit/>
+          </a:bodyPr>
+          <a:lstStyle/>
+          <a:p>
+            <a:pPr>
+              <a:lnSpc>
+                <a:spcPct val="90000"/>
+              </a:lnSpc>
+              <a:spcAft>
+                <a:spcPts val="600"/>
+              </a:spcAft>
+            </a:pPr>
+            <a:r>
+              <a:rPr lang="en-US" sz="2400" dirty="0" smtClean="0">
+                <a:gradFill>
+                  <a:gsLst>
+                    <a:gs pos="2917">
+                      <a:schemeClr val="tx1"/>
+                    </a:gs>
+                    <a:gs pos="30000">
+                      <a:schemeClr val="tx1"/>
+                    </a:gs>
+                  </a:gsLst>
+                  <a:lin ang="5400000" scaled="0"/>
+                </a:gradFill>
+              </a:rPr>
+              <a:t>Existing Email</a:t>
+            </a:r>
+          </a:p>
+        </p:txBody>
+      </p:sp>
+    </p:spTree>
+    <p:extLst>
+      <p:ext uri="{BB962C8B-B14F-4D97-AF65-F5344CB8AC3E}">
+        <p14:creationId xmlns:p14="http://schemas.microsoft.com/office/powerpoint/2010/main" val="774384744"/>
+      </p:ext>
+    </p:extLst>
+  </p:cSld>
+  <p:clrMapOvr>
+    <a:masterClrMapping/>
+  </p:clrMapOvr>
+  <p:transition>
+    <p:fade/>
+  </p:transition>
+</p:sld>
+</file>
+
+<file path=ppt/slides/slide14.xml><?xml version="1.0" encoding="utf-8"?>
+<p:sld xmlns:a="http://schemas.openxmlformats.org/drawingml/2006/main" xmlns:r="http://schemas.openxmlformats.org/officeDocument/2006/relationships" xmlns:p="http://schemas.openxmlformats.org/presentationml/2006/main">
+  <p:cSld>
+    <p:spTree>
+      <p:nvGrpSpPr>
+        <p:cNvPr id="1" name=""/>
+        <p:cNvGrpSpPr/>
+        <p:nvPr/>
+      </p:nvGrpSpPr>
+      <p:grpSpPr>
+        <a:xfrm>
+          <a:off x="0" y="0"/>
+          <a:ext cx="0" cy="0"/>
+          <a:chOff x="0" y="0"/>
+          <a:chExt cx="0" cy="0"/>
+        </a:xfrm>
+      </p:grpSpPr>
+      <p:pic>
+        <p:nvPicPr>
+          <p:cNvPr id="11" name="Picture 10"/>
+          <p:cNvPicPr>
+            <a:picLocks noChangeAspect="1"/>
+          </p:cNvPicPr>
+          <p:nvPr/>
+        </p:nvPicPr>
+        <p:blipFill>
+          <a:blip r:embed="rId2" cstate="screen">
+            <a:extLst>
+              <a:ext uri="{28A0092B-C50C-407E-A947-70E740481C1C}">
+                <a14:useLocalDpi xmlns:a14="http://schemas.microsoft.com/office/drawing/2010/main" val="0"/>
+              </a:ext>
+            </a:extLst>
+          </a:blip>
+          <a:stretch>
+            <a:fillRect/>
+          </a:stretch>
+        </p:blipFill>
+        <p:spPr bwMode="invGray">
+          <a:xfrm>
+            <a:off x="269239" y="2980789"/>
+            <a:ext cx="3575287" cy="765878"/>
+          </a:xfrm>
+          <a:prstGeom prst="rect">
+            <a:avLst/>
+          </a:prstGeom>
+        </p:spPr>
+      </p:pic>
+      <p:sp>
+        <p:nvSpPr>
+          <p:cNvPr id="12" name="Text Box 3"/>
+          <p:cNvSpPr txBox="1">
+            <a:spLocks noChangeArrowheads="1"/>
+          </p:cNvSpPr>
+          <p:nvPr/>
+        </p:nvSpPr>
+        <p:spPr bwMode="blackWhite">
+          <a:xfrm>
+            <a:off x="251621" y="6151170"/>
+            <a:ext cx="10384123" cy="407316"/>
+          </a:xfrm>
+          <a:prstGeom prst="rect">
+            <a:avLst/>
+          </a:prstGeom>
+          <a:noFill/>
+          <a:ln w="12700">
+            <a:noFill/>
+            <a:miter lim="800000"/>
+            <a:headEnd type="none" w="sm" len="sm"/>
+            <a:tailEnd type="none" w="sm" len="sm"/>
+          </a:ln>
+          <a:effectLst/>
+        </p:spPr>
+        <p:txBody>
+          <a:bodyPr vert="horz" wrap="square" lIns="89607" tIns="44805" rIns="89607" bIns="44805" numCol="1" anchor="t" anchorCtr="0" compatLnSpc="1">
+            <a:prstTxWarp prst="textNoShape">
+              <a:avLst/>
+            </a:prstTxWarp>
+            <a:spAutoFit/>
+          </a:bodyPr>
+          <a:lstStyle/>
+          <a:p>
+            <a:pPr defTabSz="895888" eaLnBrk="0" hangingPunct="0"/>
+            <a:r>
+              <a:rPr lang="en-US" sz="686" dirty="0">
+                <a:gradFill>
+                  <a:gsLst>
+                    <a:gs pos="11940">
+                      <a:srgbClr val="FFFFFF"/>
+                    </a:gs>
+                    <a:gs pos="24000">
+                      <a:srgbClr val="FFFFFF"/>
+                    </a:gs>
+                  </a:gsLst>
+                  <a:lin ang="5400000" scaled="0"/>
+                </a:gradFill>
+                <a:cs typeface="Arial" charset="0"/>
+              </a:rPr>
+              <a:t>© 2013 Microsoft Corporation. All rights reserved. Microsoft, Windows, Windows Vista and other product names are or may be registered trademarks and/or trademarks in the U.S. and/or other countries.</a:t>
+            </a:r>
+          </a:p>
+          <a:p>
+            <a:pPr defTabSz="895888" eaLnBrk="0" hangingPunct="0"/>
+            <a:r>
+              <a:rPr lang="en-US" sz="686" dirty="0">
+                <a:gradFill>
+                  <a:gsLst>
+                    <a:gs pos="11940">
+                      <a:srgbClr val="FFFFFF"/>
+                    </a:gs>
+                    <a:gs pos="24000">
+                      <a:srgbClr val="FFFFFF"/>
+                    </a:gs>
+                  </a:gsLst>
+                  <a:lin ang="5400000" scaled="0"/>
+                </a:gradFill>
+                <a:cs typeface="Arial" charset="0"/>
+              </a:rPr>
+              <a:t>The information herein is for informational purposes only and represents the current view of Microsoft Corporation as of the date of this presentation.  Because Microsoft must respond to changing market conditions, it should not be interpreted to be a commitment on the part of Microsoft, and Microsoft cannot guarantee the accuracy of any information provided after the date of this presentation.  MICROSOFT MAKES NO WARRANTIES, EXPRESS, IMPLIED OR STATUTORY, AS TO THE INFORMATION IN THIS PRESENTATION.</a:t>
+            </a:r>
+          </a:p>
+        </p:txBody>
+      </p:sp>
+    </p:spTree>
+    <p:extLst>
+      <p:ext uri="{BB962C8B-B14F-4D97-AF65-F5344CB8AC3E}">
+        <p14:creationId xmlns:p14="http://schemas.microsoft.com/office/powerpoint/2010/main" val="9065189"/>
+      </p:ext>
+    </p:extLst>
+  </p:cSld>
+  <p:clrMapOvr>
+    <a:masterClrMapping/>
+  </p:clrMapOvr>
+  <p:transition>
+    <p:fade/>
+  </p:transition>
+  <p:timing>
+    <p:tnLst>
+      <p:par>
+        <p:cTn id="1" dur="indefinite" restart="never" nodeType="tmRoot"/>
+      </p:par>
+    </p:tnLst>
+  </p:timing>
+</p:sld>
+</file>
+
+<file path=ppt/slides/slide2.xml><?xml version="1.0" encoding="utf-8"?>
+<p:sld xmlns:a="http://schemas.openxmlformats.org/drawingml/2006/main" xmlns:r="http://schemas.openxmlformats.org/officeDocument/2006/relationships" xmlns:p="http://schemas.openxmlformats.org/presentationml/2006/main">
+  <p:cSld>
+    <p:spTree>
+      <p:nvGrpSpPr>
+        <p:cNvPr id="1" name=""/>
+        <p:cNvGrpSpPr/>
+        <p:nvPr/>
+      </p:nvGrpSpPr>
+      <p:grpSpPr>
+        <a:xfrm>
+          <a:off x="0" y="0"/>
+          <a:ext cx="0" cy="0"/>
+          <a:chOff x="0" y="0"/>
+          <a:chExt cx="0" cy="0"/>
+        </a:xfrm>
+      </p:grpSpPr>
       <p:pic>
         <p:nvPicPr>
           <p:cNvPr id="4" name="Picture Placeholder 3"/>
@@ -5865,718 +6787,7 @@
 </p:sld>
 </file>
 
-<file path=ppt/slides/slide10.xml><?xml version="1.0" encoding="utf-8"?>
-<p:sld xmlns:a="http://schemas.openxmlformats.org/drawingml/2006/main" xmlns:r="http://schemas.openxmlformats.org/officeDocument/2006/relationships" xmlns:p="http://schemas.openxmlformats.org/presentationml/2006/main">
-  <p:cSld>
-    <p:spTree>
-      <p:nvGrpSpPr>
-        <p:cNvPr id="1" name=""/>
-        <p:cNvGrpSpPr/>
-        <p:nvPr/>
-      </p:nvGrpSpPr>
-      <p:grpSpPr>
-        <a:xfrm>
-          <a:off x="0" y="0"/>
-          <a:ext cx="0" cy="0"/>
-          <a:chOff x="0" y="0"/>
-          <a:chExt cx="0" cy="0"/>
-        </a:xfrm>
-      </p:grpSpPr>
-      <p:sp>
-        <p:nvSpPr>
-          <p:cNvPr id="3" name="Title 2"/>
-          <p:cNvSpPr>
-            <a:spLocks noGrp="1"/>
-          </p:cNvSpPr>
-          <p:nvPr>
-            <p:ph type="title"/>
-          </p:nvPr>
-        </p:nvSpPr>
-        <p:spPr/>
-        <p:txBody>
-          <a:bodyPr/>
-          <a:lstStyle/>
-          <a:p>
-            <a:r>
-              <a:rPr lang="en-US" sz="2400" dirty="0" smtClean="0"/>
-              <a:t>Your subscription has been created and is being provisioned, this can take up to 10 minutes.  If it takes longer, reach out to support.</a:t>
-            </a:r>
-            <a:br>
-              <a:rPr lang="en-US" sz="2400" dirty="0" smtClean="0"/>
-            </a:br>
-            <a:r>
-              <a:rPr lang="en-US" sz="2400" dirty="0"/>
-              <a:t>	</a:t>
-            </a:r>
-            <a:r>
-              <a:rPr lang="en-US" sz="1800" dirty="0" smtClean="0"/>
-              <a:t>You may need to refresh the page</a:t>
-            </a:r>
-            <a:r>
-              <a:rPr lang="en-US" sz="2400" dirty="0" smtClean="0"/>
-              <a:t/>
-            </a:r>
-            <a:br>
-              <a:rPr lang="en-US" sz="2400" dirty="0" smtClean="0"/>
-            </a:br>
-            <a:r>
-              <a:rPr lang="en-US" sz="2400" dirty="0"/>
-              <a:t/>
-            </a:r>
-            <a:br>
-              <a:rPr lang="en-US" sz="2400" dirty="0"/>
-            </a:br>
-            <a:r>
-              <a:rPr lang="en-US" sz="2400" dirty="0" smtClean="0"/>
-              <a:t>After your subscription is provisioned you can start using by clicking ‘Portal.’</a:t>
-            </a:r>
-            <a:br>
-              <a:rPr lang="en-US" sz="2400" dirty="0" smtClean="0"/>
-            </a:br>
-            <a:r>
-              <a:rPr lang="en-US" sz="2400" dirty="0"/>
-              <a:t/>
-            </a:r>
-            <a:br>
-              <a:rPr lang="en-US" sz="2400" dirty="0"/>
-            </a:br>
-            <a:r>
-              <a:rPr lang="en-US" sz="2400" dirty="0" smtClean="0"/>
-              <a:t>In the future you can navigate directly to the management portal: http://manage.windowsazure.com</a:t>
-            </a:r>
-            <a:endParaRPr lang="en-US" sz="2400" dirty="0"/>
-          </a:p>
-        </p:txBody>
-      </p:sp>
-      <p:pic>
-        <p:nvPicPr>
-          <p:cNvPr id="4" name="Picture 3"/>
-          <p:cNvPicPr>
-            <a:picLocks noChangeAspect="1"/>
-          </p:cNvPicPr>
-          <p:nvPr/>
-        </p:nvPicPr>
-        <p:blipFill rotWithShape="1">
-          <a:blip r:embed="rId2"/>
-          <a:srcRect r="20171"/>
-          <a:stretch/>
-        </p:blipFill>
-        <p:spPr>
-          <a:xfrm>
-            <a:off x="5301268" y="1187620"/>
-            <a:ext cx="6361831" cy="4482760"/>
-          </a:xfrm>
-          <a:prstGeom prst="rect">
-            <a:avLst/>
-          </a:prstGeom>
-        </p:spPr>
-      </p:pic>
-    </p:spTree>
-    <p:extLst>
-      <p:ext uri="{BB962C8B-B14F-4D97-AF65-F5344CB8AC3E}">
-        <p14:creationId xmlns:p14="http://schemas.microsoft.com/office/powerpoint/2010/main" val="4261315868"/>
-      </p:ext>
-    </p:extLst>
-  </p:cSld>
-  <p:clrMapOvr>
-    <a:masterClrMapping/>
-  </p:clrMapOvr>
-  <p:transition>
-    <p:fade/>
-  </p:transition>
-</p:sld>
-</file>
-
-<file path=ppt/slides/slide11.xml><?xml version="1.0" encoding="utf-8"?>
-<p:sld xmlns:a="http://schemas.openxmlformats.org/drawingml/2006/main" xmlns:r="http://schemas.openxmlformats.org/officeDocument/2006/relationships" xmlns:p="http://schemas.openxmlformats.org/presentationml/2006/main">
-  <p:cSld>
-    <p:spTree>
-      <p:nvGrpSpPr>
-        <p:cNvPr id="1" name=""/>
-        <p:cNvGrpSpPr/>
-        <p:nvPr/>
-      </p:nvGrpSpPr>
-      <p:grpSpPr>
-        <a:xfrm>
-          <a:off x="0" y="0"/>
-          <a:ext cx="0" cy="0"/>
-          <a:chOff x="0" y="0"/>
-          <a:chExt cx="0" cy="0"/>
-        </a:xfrm>
-      </p:grpSpPr>
-      <p:pic>
-        <p:nvPicPr>
-          <p:cNvPr id="4" name="Picture Placeholder 3"/>
-          <p:cNvPicPr>
-            <a:picLocks noGrp="1" noChangeAspect="1"/>
-          </p:cNvPicPr>
-          <p:nvPr>
-            <p:ph type="pic" sz="quarter" idx="10"/>
-          </p:nvPr>
-        </p:nvPicPr>
-        <p:blipFill>
-          <a:blip r:embed="rId3">
-            <a:extLst>
-              <a:ext uri="{28A0092B-C50C-407E-A947-70E740481C1C}">
-                <a14:useLocalDpi xmlns:a14="http://schemas.microsoft.com/office/drawing/2010/main" val="0"/>
-              </a:ext>
-            </a:extLst>
-          </a:blip>
-          <a:srcRect t="7818" b="7818"/>
-          <a:stretch>
-            <a:fillRect/>
-          </a:stretch>
-        </p:blipFill>
-        <p:spPr>
-          <a:xfrm>
-            <a:off x="0" y="0"/>
-            <a:ext cx="12192000" cy="6858000"/>
-          </a:xfrm>
-        </p:spPr>
-      </p:pic>
-      <p:sp>
-        <p:nvSpPr>
-          <p:cNvPr id="7" name="Rectangle 6"/>
-          <p:cNvSpPr/>
-          <p:nvPr/>
-        </p:nvSpPr>
-        <p:spPr bwMode="ltGray">
-          <a:xfrm>
-            <a:off x="269240" y="302047"/>
-            <a:ext cx="5378549" cy="5368016"/>
-          </a:xfrm>
-          <a:prstGeom prst="rect">
-            <a:avLst/>
-          </a:prstGeom>
-          <a:solidFill>
-            <a:schemeClr val="accent1">
-              <a:alpha val="90000"/>
-            </a:schemeClr>
-          </a:solidFill>
-          <a:ln>
-            <a:noFill/>
-            <a:headEnd type="none" w="med" len="med"/>
-            <a:tailEnd type="none" w="med" len="med"/>
-          </a:ln>
-          <a:effectLst/>
-        </p:spPr>
-        <p:style>
-          <a:lnRef idx="1">
-            <a:schemeClr val="accent2"/>
-          </a:lnRef>
-          <a:fillRef idx="3">
-            <a:schemeClr val="accent2"/>
-          </a:fillRef>
-          <a:effectRef idx="2">
-            <a:schemeClr val="accent2"/>
-          </a:effectRef>
-          <a:fontRef idx="minor">
-            <a:schemeClr val="lt1"/>
-          </a:fontRef>
-        </p:style>
-        <p:txBody>
-          <a:bodyPr rot="0" spcFirstLastPara="0" vertOverflow="overflow" horzOverflow="overflow" vert="horz" wrap="square" lIns="179285" tIns="143428" rIns="179285" bIns="143428" numCol="1" spcCol="0" rtlCol="0" fromWordArt="0" anchor="t" anchorCtr="0" forceAA="0" compatLnSpc="1">
-            <a:prstTxWarp prst="textNoShape">
-              <a:avLst/>
-            </a:prstTxWarp>
-            <a:noAutofit/>
-          </a:bodyPr>
-          <a:lstStyle/>
-          <a:p>
-            <a:pPr algn="ctr" defTabSz="914102" fontAlgn="base">
-              <a:lnSpc>
-                <a:spcPct val="90000"/>
-              </a:lnSpc>
-              <a:spcBef>
-                <a:spcPct val="0"/>
-              </a:spcBef>
-              <a:spcAft>
-                <a:spcPct val="0"/>
-              </a:spcAft>
-            </a:pPr>
-            <a:endParaRPr lang="en-US" sz="2353" dirty="0" err="1">
-              <a:gradFill>
-                <a:gsLst>
-                  <a:gs pos="0">
-                    <a:srgbClr val="FFFFFF"/>
-                  </a:gs>
-                  <a:gs pos="100000">
-                    <a:srgbClr val="FFFFFF"/>
-                  </a:gs>
-                </a:gsLst>
-                <a:lin ang="5400000" scaled="0"/>
-              </a:gradFill>
-              <a:ea typeface="Segoe UI" pitchFamily="34" charset="0"/>
-              <a:cs typeface="Segoe UI" pitchFamily="34" charset="0"/>
-            </a:endParaRPr>
-          </a:p>
-        </p:txBody>
-      </p:sp>
-      <p:sp>
-        <p:nvSpPr>
-          <p:cNvPr id="17" name="Title 16"/>
-          <p:cNvSpPr>
-            <a:spLocks noGrp="1"/>
-          </p:cNvSpPr>
-          <p:nvPr>
-            <p:ph type="title"/>
-          </p:nvPr>
-        </p:nvSpPr>
-        <p:spPr/>
-        <p:txBody>
-          <a:bodyPr/>
-          <a:lstStyle/>
-          <a:p>
-            <a:r>
-              <a:rPr lang="en-US" dirty="0" smtClean="0"/>
-              <a:t>Creating a New Microsoft Account</a:t>
-            </a:r>
-            <a:endParaRPr lang="en-US" dirty="0"/>
-          </a:p>
-        </p:txBody>
-      </p:sp>
-      <p:pic>
-        <p:nvPicPr>
-          <p:cNvPr id="11" name="Picture 10"/>
-          <p:cNvPicPr>
-            <a:picLocks noChangeAspect="1"/>
-          </p:cNvPicPr>
-          <p:nvPr/>
-        </p:nvPicPr>
-        <p:blipFill rotWithShape="1">
-          <a:blip r:embed="rId4" cstate="print">
-            <a:extLst>
-              <a:ext uri="{28A0092B-C50C-407E-A947-70E740481C1C}">
-                <a14:useLocalDpi xmlns:a14="http://schemas.microsoft.com/office/drawing/2010/main" val="0"/>
-              </a:ext>
-            </a:extLst>
-          </a:blip>
-          <a:stretch/>
-        </p:blipFill>
-        <p:spPr bwMode="invGray">
-          <a:xfrm>
-            <a:off x="10141012" y="469108"/>
-            <a:ext cx="1595765" cy="340641"/>
-          </a:xfrm>
-          <a:prstGeom prst="rect">
-            <a:avLst/>
-          </a:prstGeom>
-          <a:noFill/>
-          <a:ln>
-            <a:noFill/>
-          </a:ln>
-        </p:spPr>
-      </p:pic>
-      <p:pic>
-        <p:nvPicPr>
-          <p:cNvPr id="9" name="Picture 8"/>
-          <p:cNvPicPr>
-            <a:picLocks noChangeAspect="1"/>
-          </p:cNvPicPr>
-          <p:nvPr/>
-        </p:nvPicPr>
-        <p:blipFill>
-          <a:blip r:embed="rId5" cstate="print">
-            <a:extLst>
-              <a:ext uri="{28A0092B-C50C-407E-A947-70E740481C1C}">
-                <a14:useLocalDpi xmlns:a14="http://schemas.microsoft.com/office/drawing/2010/main" val="0"/>
-              </a:ext>
-            </a:extLst>
-          </a:blip>
-          <a:stretch>
-            <a:fillRect/>
-          </a:stretch>
-        </p:blipFill>
-        <p:spPr>
-          <a:xfrm>
-            <a:off x="336583" y="5150703"/>
-            <a:ext cx="1890077" cy="434795"/>
-          </a:xfrm>
-          <a:prstGeom prst="rect">
-            <a:avLst/>
-          </a:prstGeom>
-        </p:spPr>
-      </p:pic>
-    </p:spTree>
-    <p:extLst>
-      <p:ext uri="{BB962C8B-B14F-4D97-AF65-F5344CB8AC3E}">
-        <p14:creationId xmlns:p14="http://schemas.microsoft.com/office/powerpoint/2010/main" val="3717562559"/>
-      </p:ext>
-    </p:extLst>
-  </p:cSld>
-  <p:clrMapOvr>
-    <a:masterClrMapping/>
-  </p:clrMapOvr>
-  <mc:AlternateContent xmlns:mc="http://schemas.openxmlformats.org/markup-compatibility/2006" xmlns:p14="http://schemas.microsoft.com/office/powerpoint/2010/main">
-    <mc:Choice Requires="p14">
-      <p:transition spd="med" p14:dur="700">
-        <p:fade/>
-      </p:transition>
-    </mc:Choice>
-    <mc:Fallback xmlns="">
-      <p:transition spd="med">
-        <p:fade/>
-      </p:transition>
-    </mc:Fallback>
-  </mc:AlternateContent>
-  <p:timing>
-    <p:tnLst>
-      <p:par>
-        <p:cTn id="1" dur="indefinite" restart="never" nodeType="tmRoot"/>
-      </p:par>
-    </p:tnLst>
-  </p:timing>
-</p:sld>
-</file>
-
-<file path=ppt/slides/slide12.xml><?xml version="1.0" encoding="utf-8"?>
-<p:sld xmlns:a="http://schemas.openxmlformats.org/drawingml/2006/main" xmlns:r="http://schemas.openxmlformats.org/officeDocument/2006/relationships" xmlns:p="http://schemas.openxmlformats.org/presentationml/2006/main">
-  <p:cSld>
-    <p:spTree>
-      <p:nvGrpSpPr>
-        <p:cNvPr id="1" name=""/>
-        <p:cNvGrpSpPr/>
-        <p:nvPr/>
-      </p:nvGrpSpPr>
-      <p:grpSpPr>
-        <a:xfrm>
-          <a:off x="0" y="0"/>
-          <a:ext cx="0" cy="0"/>
-          <a:chOff x="0" y="0"/>
-          <a:chExt cx="0" cy="0"/>
-        </a:xfrm>
-      </p:grpSpPr>
-      <p:sp>
-        <p:nvSpPr>
-          <p:cNvPr id="6" name="Title 5"/>
-          <p:cNvSpPr>
-            <a:spLocks noGrp="1"/>
-          </p:cNvSpPr>
-          <p:nvPr>
-            <p:ph type="title"/>
-          </p:nvPr>
-        </p:nvSpPr>
-        <p:spPr/>
-        <p:txBody>
-          <a:bodyPr/>
-          <a:lstStyle/>
-          <a:p>
-            <a:r>
-              <a:rPr lang="en-US" sz="3600" dirty="0" smtClean="0"/>
-              <a:t>You can create a new Microsoft Account, or you can use an existing email address.</a:t>
-            </a:r>
-            <a:endParaRPr lang="en-US" sz="3600" dirty="0"/>
-          </a:p>
-        </p:txBody>
-      </p:sp>
-      <p:pic>
-        <p:nvPicPr>
-          <p:cNvPr id="7" name="Picture 6"/>
-          <p:cNvPicPr>
-            <a:picLocks noChangeAspect="1"/>
-          </p:cNvPicPr>
-          <p:nvPr/>
-        </p:nvPicPr>
-        <p:blipFill>
-          <a:blip r:embed="rId2"/>
-          <a:stretch>
-            <a:fillRect/>
-          </a:stretch>
-        </p:blipFill>
-        <p:spPr>
-          <a:xfrm>
-            <a:off x="6112645" y="2057399"/>
-            <a:ext cx="5866889" cy="4572000"/>
-          </a:xfrm>
-          <a:prstGeom prst="rect">
-            <a:avLst/>
-          </a:prstGeom>
-        </p:spPr>
-      </p:pic>
-      <p:pic>
-        <p:nvPicPr>
-          <p:cNvPr id="8" name="Picture 7"/>
-          <p:cNvPicPr>
-            <a:picLocks noChangeAspect="1"/>
-          </p:cNvPicPr>
-          <p:nvPr/>
-        </p:nvPicPr>
-        <p:blipFill>
-          <a:blip r:embed="rId3"/>
-          <a:stretch>
-            <a:fillRect/>
-          </a:stretch>
-        </p:blipFill>
-        <p:spPr>
-          <a:xfrm>
-            <a:off x="212466" y="2057399"/>
-            <a:ext cx="5687713" cy="4572000"/>
-          </a:xfrm>
-          <a:prstGeom prst="rect">
-            <a:avLst/>
-          </a:prstGeom>
-        </p:spPr>
-      </p:pic>
-      <p:sp>
-        <p:nvSpPr>
-          <p:cNvPr id="9" name="TextBox 8"/>
-          <p:cNvSpPr txBox="1"/>
-          <p:nvPr/>
-        </p:nvSpPr>
-        <p:spPr>
-          <a:xfrm>
-            <a:off x="1275481" y="1429535"/>
-            <a:ext cx="3561681" cy="627864"/>
-          </a:xfrm>
-          <a:prstGeom prst="rect">
-            <a:avLst/>
-          </a:prstGeom>
-          <a:noFill/>
-        </p:spPr>
-        <p:txBody>
-          <a:bodyPr wrap="none" lIns="182880" tIns="146304" rIns="182880" bIns="146304" rtlCol="0">
-            <a:spAutoFit/>
-          </a:bodyPr>
-          <a:lstStyle/>
-          <a:p>
-            <a:pPr>
-              <a:lnSpc>
-                <a:spcPct val="90000"/>
-              </a:lnSpc>
-              <a:spcAft>
-                <a:spcPts val="600"/>
-              </a:spcAft>
-            </a:pPr>
-            <a:r>
-              <a:rPr lang="en-US" sz="2400" dirty="0" smtClean="0">
-                <a:gradFill>
-                  <a:gsLst>
-                    <a:gs pos="2917">
-                      <a:schemeClr val="tx1"/>
-                    </a:gs>
-                    <a:gs pos="30000">
-                      <a:schemeClr val="tx1"/>
-                    </a:gs>
-                  </a:gsLst>
-                  <a:lin ang="5400000" scaled="0"/>
-                </a:gradFill>
-              </a:rPr>
-              <a:t>New Microsoft Account</a:t>
-            </a:r>
-          </a:p>
-        </p:txBody>
-      </p:sp>
-      <p:sp>
-        <p:nvSpPr>
-          <p:cNvPr id="10" name="TextBox 9"/>
-          <p:cNvSpPr txBox="1"/>
-          <p:nvPr/>
-        </p:nvSpPr>
-        <p:spPr>
-          <a:xfrm>
-            <a:off x="7936490" y="1429535"/>
-            <a:ext cx="2219197" cy="627864"/>
-          </a:xfrm>
-          <a:prstGeom prst="rect">
-            <a:avLst/>
-          </a:prstGeom>
-          <a:noFill/>
-        </p:spPr>
-        <p:txBody>
-          <a:bodyPr wrap="none" lIns="182880" tIns="146304" rIns="182880" bIns="146304" rtlCol="0">
-            <a:spAutoFit/>
-          </a:bodyPr>
-          <a:lstStyle/>
-          <a:p>
-            <a:pPr>
-              <a:lnSpc>
-                <a:spcPct val="90000"/>
-              </a:lnSpc>
-              <a:spcAft>
-                <a:spcPts val="600"/>
-              </a:spcAft>
-            </a:pPr>
-            <a:r>
-              <a:rPr lang="en-US" sz="2400" dirty="0" smtClean="0">
-                <a:gradFill>
-                  <a:gsLst>
-                    <a:gs pos="2917">
-                      <a:schemeClr val="tx1"/>
-                    </a:gs>
-                    <a:gs pos="30000">
-                      <a:schemeClr val="tx1"/>
-                    </a:gs>
-                  </a:gsLst>
-                  <a:lin ang="5400000" scaled="0"/>
-                </a:gradFill>
-              </a:rPr>
-              <a:t>Existing Email</a:t>
-            </a:r>
-          </a:p>
-        </p:txBody>
-      </p:sp>
-    </p:spTree>
-    <p:extLst>
-      <p:ext uri="{BB962C8B-B14F-4D97-AF65-F5344CB8AC3E}">
-        <p14:creationId xmlns:p14="http://schemas.microsoft.com/office/powerpoint/2010/main" val="774384744"/>
-      </p:ext>
-    </p:extLst>
-  </p:cSld>
-  <p:clrMapOvr>
-    <a:masterClrMapping/>
-  </p:clrMapOvr>
-  <p:transition>
-    <p:fade/>
-  </p:transition>
-</p:sld>
-</file>
-
-<file path=ppt/slides/slide13.xml><?xml version="1.0" encoding="utf-8"?>
-<p:sld xmlns:a="http://schemas.openxmlformats.org/drawingml/2006/main" xmlns:r="http://schemas.openxmlformats.org/officeDocument/2006/relationships" xmlns:p="http://schemas.openxmlformats.org/presentationml/2006/main">
-  <p:cSld>
-    <p:spTree>
-      <p:nvGrpSpPr>
-        <p:cNvPr id="1" name=""/>
-        <p:cNvGrpSpPr/>
-        <p:nvPr/>
-      </p:nvGrpSpPr>
-      <p:grpSpPr>
-        <a:xfrm>
-          <a:off x="0" y="0"/>
-          <a:ext cx="0" cy="0"/>
-          <a:chOff x="0" y="0"/>
-          <a:chExt cx="0" cy="0"/>
-        </a:xfrm>
-      </p:grpSpPr>
-      <p:pic>
-        <p:nvPicPr>
-          <p:cNvPr id="11" name="Picture 10"/>
-          <p:cNvPicPr>
-            <a:picLocks noChangeAspect="1"/>
-          </p:cNvPicPr>
-          <p:nvPr/>
-        </p:nvPicPr>
-        <p:blipFill>
-          <a:blip r:embed="rId2" cstate="screen">
-            <a:extLst>
-              <a:ext uri="{28A0092B-C50C-407E-A947-70E740481C1C}">
-                <a14:useLocalDpi xmlns:a14="http://schemas.microsoft.com/office/drawing/2010/main" val="0"/>
-              </a:ext>
-            </a:extLst>
-          </a:blip>
-          <a:stretch>
-            <a:fillRect/>
-          </a:stretch>
-        </p:blipFill>
-        <p:spPr bwMode="invGray">
-          <a:xfrm>
-            <a:off x="269239" y="2980789"/>
-            <a:ext cx="3575287" cy="765878"/>
-          </a:xfrm>
-          <a:prstGeom prst="rect">
-            <a:avLst/>
-          </a:prstGeom>
-        </p:spPr>
-      </p:pic>
-      <p:sp>
-        <p:nvSpPr>
-          <p:cNvPr id="12" name="Text Box 3"/>
-          <p:cNvSpPr txBox="1">
-            <a:spLocks noChangeArrowheads="1"/>
-          </p:cNvSpPr>
-          <p:nvPr/>
-        </p:nvSpPr>
-        <p:spPr bwMode="blackWhite">
-          <a:xfrm>
-            <a:off x="251621" y="6151170"/>
-            <a:ext cx="10384123" cy="407316"/>
-          </a:xfrm>
-          <a:prstGeom prst="rect">
-            <a:avLst/>
-          </a:prstGeom>
-          <a:noFill/>
-          <a:ln w="12700">
-            <a:noFill/>
-            <a:miter lim="800000"/>
-            <a:headEnd type="none" w="sm" len="sm"/>
-            <a:tailEnd type="none" w="sm" len="sm"/>
-          </a:ln>
-          <a:effectLst/>
-        </p:spPr>
-        <p:txBody>
-          <a:bodyPr vert="horz" wrap="square" lIns="89607" tIns="44805" rIns="89607" bIns="44805" numCol="1" anchor="t" anchorCtr="0" compatLnSpc="1">
-            <a:prstTxWarp prst="textNoShape">
-              <a:avLst/>
-            </a:prstTxWarp>
-            <a:spAutoFit/>
-          </a:bodyPr>
-          <a:lstStyle/>
-          <a:p>
-            <a:pPr defTabSz="895888" eaLnBrk="0" hangingPunct="0"/>
-            <a:r>
-              <a:rPr lang="en-US" sz="686" dirty="0">
-                <a:gradFill>
-                  <a:gsLst>
-                    <a:gs pos="11940">
-                      <a:srgbClr val="FFFFFF"/>
-                    </a:gs>
-                    <a:gs pos="24000">
-                      <a:srgbClr val="FFFFFF"/>
-                    </a:gs>
-                  </a:gsLst>
-                  <a:lin ang="5400000" scaled="0"/>
-                </a:gradFill>
-                <a:cs typeface="Arial" charset="0"/>
-              </a:rPr>
-              <a:t>© 2013 Microsoft Corporation. All rights reserved. Microsoft, Windows, Windows Vista and other product names are or may be registered trademarks and/or trademarks in the U.S. and/or other countries.</a:t>
-            </a:r>
-          </a:p>
-          <a:p>
-            <a:pPr defTabSz="895888" eaLnBrk="0" hangingPunct="0"/>
-            <a:r>
-              <a:rPr lang="en-US" sz="686" dirty="0">
-                <a:gradFill>
-                  <a:gsLst>
-                    <a:gs pos="11940">
-                      <a:srgbClr val="FFFFFF"/>
-                    </a:gs>
-                    <a:gs pos="24000">
-                      <a:srgbClr val="FFFFFF"/>
-                    </a:gs>
-                  </a:gsLst>
-                  <a:lin ang="5400000" scaled="0"/>
-                </a:gradFill>
-                <a:cs typeface="Arial" charset="0"/>
-              </a:rPr>
-              <a:t>The information herein is for informational purposes only and represents the current view of Microsoft Corporation as of the date of this presentation.  Because Microsoft must respond to changing market conditions, it should not be interpreted to be a commitment on the part of Microsoft, and Microsoft cannot guarantee the accuracy of any information provided after the date of this presentation.  MICROSOFT MAKES NO WARRANTIES, EXPRESS, IMPLIED OR STATUTORY, AS TO THE INFORMATION IN THIS PRESENTATION.</a:t>
-            </a:r>
-          </a:p>
-        </p:txBody>
-      </p:sp>
-    </p:spTree>
-    <p:extLst>
-      <p:ext uri="{BB962C8B-B14F-4D97-AF65-F5344CB8AC3E}">
-        <p14:creationId xmlns:p14="http://schemas.microsoft.com/office/powerpoint/2010/main" val="9065189"/>
-      </p:ext>
-    </p:extLst>
-  </p:cSld>
-  <p:clrMapOvr>
-    <a:masterClrMapping/>
-  </p:clrMapOvr>
-  <p:transition>
-    <p:fade/>
-  </p:transition>
-  <p:timing>
-    <p:tnLst>
-      <p:par>
-        <p:cTn id="1" dur="indefinite" restart="never" nodeType="tmRoot"/>
-      </p:par>
-    </p:tnLst>
-  </p:timing>
-</p:sld>
-</file>
-
-<file path=ppt/slides/slide2.xml><?xml version="1.0" encoding="utf-8"?>
+<file path=ppt/slides/slide3.xml><?xml version="1.0" encoding="utf-8"?>
 <p:sld xmlns:a="http://schemas.openxmlformats.org/drawingml/2006/main" xmlns:r="http://schemas.openxmlformats.org/officeDocument/2006/relationships" xmlns:p="http://schemas.openxmlformats.org/presentationml/2006/main">
   <p:cSld>
     <p:spTree>
@@ -6766,7 +6977,7 @@
 </p:sld>
 </file>
 
-<file path=ppt/slides/slide3.xml><?xml version="1.0" encoding="utf-8"?>
+<file path=ppt/slides/slide4.xml><?xml version="1.0" encoding="utf-8"?>
 <p:sld xmlns:a="http://schemas.openxmlformats.org/drawingml/2006/main" xmlns:r="http://schemas.openxmlformats.org/officeDocument/2006/relationships" xmlns:p="http://schemas.openxmlformats.org/presentationml/2006/main">
   <p:cSld>
     <p:spTree>
@@ -6878,7 +7089,7 @@
 </p:sld>
 </file>
 
-<file path=ppt/slides/slide4.xml><?xml version="1.0" encoding="utf-8"?>
+<file path=ppt/slides/slide5.xml><?xml version="1.0" encoding="utf-8"?>
 <p:sld xmlns:a="http://schemas.openxmlformats.org/drawingml/2006/main" xmlns:r="http://schemas.openxmlformats.org/officeDocument/2006/relationships" xmlns:p="http://schemas.openxmlformats.org/presentationml/2006/main">
   <p:cSld>
     <p:spTree>
@@ -7025,7 +7236,7 @@
 </p:sld>
 </file>
 
-<file path=ppt/slides/slide5.xml><?xml version="1.0" encoding="utf-8"?>
+<file path=ppt/slides/slide6.xml><?xml version="1.0" encoding="utf-8"?>
 <p:sld xmlns:a="http://schemas.openxmlformats.org/drawingml/2006/main" xmlns:r="http://schemas.openxmlformats.org/officeDocument/2006/relationships" xmlns:p="http://schemas.openxmlformats.org/presentationml/2006/main">
   <p:cSld>
     <p:spTree>
@@ -7104,7 +7315,7 @@
 </p:sld>
 </file>
 
-<file path=ppt/slides/slide6.xml><?xml version="1.0" encoding="utf-8"?>
+<file path=ppt/slides/slide7.xml><?xml version="1.0" encoding="utf-8"?>
 <p:sld xmlns:a="http://schemas.openxmlformats.org/drawingml/2006/main" xmlns:r="http://schemas.openxmlformats.org/officeDocument/2006/relationships" xmlns:p="http://schemas.openxmlformats.org/presentationml/2006/main">
   <p:cSld>
     <p:spTree>
@@ -7184,7 +7395,7 @@
 </p:sld>
 </file>
 
-<file path=ppt/slides/slide7.xml><?xml version="1.0" encoding="utf-8"?>
+<file path=ppt/slides/slide8.xml><?xml version="1.0" encoding="utf-8"?>
 <p:sld xmlns:a="http://schemas.openxmlformats.org/drawingml/2006/main" xmlns:r="http://schemas.openxmlformats.org/officeDocument/2006/relationships" xmlns:p="http://schemas.openxmlformats.org/presentationml/2006/main">
   <p:cSld>
     <p:spTree>
@@ -7264,7 +7475,7 @@
 </p:sld>
 </file>
 
-<file path=ppt/slides/slide8.xml><?xml version="1.0" encoding="utf-8"?>
+<file path=ppt/slides/slide9.xml><?xml version="1.0" encoding="utf-8"?>
 <p:sld xmlns:a="http://schemas.openxmlformats.org/drawingml/2006/main" xmlns:r="http://schemas.openxmlformats.org/officeDocument/2006/relationships" xmlns:p="http://schemas.openxmlformats.org/presentationml/2006/main">
   <p:cSld>
     <p:spTree>
@@ -7350,94 +7561,6 @@
     <p:extLst>
       <p:ext uri="{BB962C8B-B14F-4D97-AF65-F5344CB8AC3E}">
         <p14:creationId xmlns:p14="http://schemas.microsoft.com/office/powerpoint/2010/main" val="1445612925"/>
-      </p:ext>
-    </p:extLst>
-  </p:cSld>
-  <p:clrMapOvr>
-    <a:masterClrMapping/>
-  </p:clrMapOvr>
-  <p:transition>
-    <p:fade/>
-  </p:transition>
-</p:sld>
-</file>
-
-<file path=ppt/slides/slide9.xml><?xml version="1.0" encoding="utf-8"?>
-<p:sld xmlns:a="http://schemas.openxmlformats.org/drawingml/2006/main" xmlns:r="http://schemas.openxmlformats.org/officeDocument/2006/relationships" xmlns:p="http://schemas.openxmlformats.org/presentationml/2006/main">
-  <p:cSld>
-    <p:spTree>
-      <p:nvGrpSpPr>
-        <p:cNvPr id="1" name=""/>
-        <p:cNvGrpSpPr/>
-        <p:nvPr/>
-      </p:nvGrpSpPr>
-      <p:grpSpPr>
-        <a:xfrm>
-          <a:off x="0" y="0"/>
-          <a:ext cx="0" cy="0"/>
-          <a:chOff x="0" y="0"/>
-          <a:chExt cx="0" cy="0"/>
-        </a:xfrm>
-      </p:grpSpPr>
-      <p:sp>
-        <p:nvSpPr>
-          <p:cNvPr id="3" name="Title 2"/>
-          <p:cNvSpPr>
-            <a:spLocks noGrp="1"/>
-          </p:cNvSpPr>
-          <p:nvPr>
-            <p:ph type="title"/>
-          </p:nvPr>
-        </p:nvSpPr>
-        <p:spPr/>
-        <p:txBody>
-          <a:bodyPr/>
-          <a:lstStyle/>
-          <a:p>
-            <a:r>
-              <a:rPr lang="en-US" sz="3200" dirty="0" smtClean="0"/>
-              <a:t>It make take a few minutes, </a:t>
-            </a:r>
-            <a:r>
-              <a:rPr lang="en-US" sz="3200" b="1" dirty="0" smtClean="0"/>
-              <a:t>DO NOT </a:t>
-            </a:r>
-            <a:r>
-              <a:rPr lang="en-US" sz="3200" dirty="0" smtClean="0"/>
-              <a:t>refresh or close your browser</a:t>
-            </a:r>
-            <a:endParaRPr lang="en-US" sz="3200" dirty="0"/>
-          </a:p>
-        </p:txBody>
-      </p:sp>
-      <p:pic>
-        <p:nvPicPr>
-          <p:cNvPr id="4" name="Picture 3"/>
-          <p:cNvPicPr>
-            <a:picLocks noChangeAspect="1"/>
-          </p:cNvPicPr>
-          <p:nvPr/>
-        </p:nvPicPr>
-        <p:blipFill>
-          <a:blip r:embed="rId2"/>
-          <a:stretch>
-            <a:fillRect/>
-          </a:stretch>
-        </p:blipFill>
-        <p:spPr>
-          <a:xfrm>
-            <a:off x="5286375" y="1900237"/>
-            <a:ext cx="6076950" cy="2371725"/>
-          </a:xfrm>
-          <a:prstGeom prst="rect">
-            <a:avLst/>
-          </a:prstGeom>
-        </p:spPr>
-      </p:pic>
-    </p:spTree>
-    <p:extLst>
-      <p:ext uri="{BB962C8B-B14F-4D97-AF65-F5344CB8AC3E}">
-        <p14:creationId xmlns:p14="http://schemas.microsoft.com/office/powerpoint/2010/main" val="879597395"/>
       </p:ext>
     </p:extLst>
   </p:cSld>
@@ -8014,21 +8137,6 @@
 </file>
 
 <file path=customXml/item1.xml><?xml version="1.0" encoding="utf-8"?>
-<?mso-contentType ?>
-<FormTemplates xmlns="http://schemas.microsoft.com/sharepoint/v3/contenttype/forms">
-  <Display>DocumentLibraryForm</Display>
-  <Edit>DocumentLibraryForm</Edit>
-  <New>DocumentLibraryForm</New>
-</FormTemplates>
-</file>
-
-<file path=customXml/item2.xml><?xml version="1.0" encoding="utf-8"?>
-<p:properties xmlns:p="http://schemas.microsoft.com/office/2006/metadata/properties" xmlns:xsi="http://www.w3.org/2001/XMLSchema-instance" xmlns:pc="http://schemas.microsoft.com/office/infopath/2007/PartnerControls">
-  <documentManagement/>
-</p:properties>
-</file>
-
-<file path=customXml/item3.xml><?xml version="1.0" encoding="utf-8"?>
 <ct:contentTypeSchema xmlns:ct="http://schemas.microsoft.com/office/2006/metadata/contentType" xmlns:ma="http://schemas.microsoft.com/office/2006/metadata/properties/metaAttributes" ct:_="" ma:_="" ma:contentTypeName="Document" ma:contentTypeID="0x010100C4721586F003CC4D88DB82CDB6369B1B" ma:contentTypeVersion="1" ma:contentTypeDescription="Create a new document." ma:contentTypeScope="" ma:versionID="b2a05cee20fb54489ebe01c641e1ac16">
   <xsd:schema xmlns:xsd="http://www.w3.org/2001/XMLSchema" xmlns:xs="http://www.w3.org/2001/XMLSchema" xmlns:p="http://schemas.microsoft.com/office/2006/metadata/properties" xmlns:ns3="5b4efcc0-b7db-4ee5-aa1c-f153c2035a42" targetNamespace="http://schemas.microsoft.com/office/2006/metadata/properties" ma:root="true" ma:fieldsID="71a8fe01bff10dc9d16bad287f60dae9" ns3:_="">
     <xsd:import namespace="5b4efcc0-b7db-4ee5-aa1c-f153c2035a42"/>
@@ -8168,10 +8276,35 @@
 </ct:contentTypeSchema>
 </file>
 
+<file path=customXml/item2.xml><?xml version="1.0" encoding="utf-8"?>
+<p:properties xmlns:p="http://schemas.microsoft.com/office/2006/metadata/properties" xmlns:xsi="http://www.w3.org/2001/XMLSchema-instance" xmlns:pc="http://schemas.microsoft.com/office/infopath/2007/PartnerControls">
+  <documentManagement/>
+</p:properties>
+</file>
+
+<file path=customXml/item3.xml><?xml version="1.0" encoding="utf-8"?>
+<?mso-contentType ?>
+<FormTemplates xmlns="http://schemas.microsoft.com/sharepoint/v3/contenttype/forms">
+  <Display>DocumentLibraryForm</Display>
+  <Edit>DocumentLibraryForm</Edit>
+  <New>DocumentLibraryForm</New>
+</FormTemplates>
+</file>
+
 <file path=customXml/itemProps1.xml><?xml version="1.0" encoding="utf-8"?>
-<ds:datastoreItem xmlns:ds="http://schemas.openxmlformats.org/officeDocument/2006/customXml" ds:itemID="{DFFA4DD0-DD1A-4FF0-95D0-2FB463CBA813}">
+<ds:datastoreItem xmlns:ds="http://schemas.openxmlformats.org/officeDocument/2006/customXml" ds:itemID="{17522BA1-6225-42A8-B357-B9CC8B969A70}">
   <ds:schemaRefs>
-    <ds:schemaRef ds:uri="http://schemas.microsoft.com/sharepoint/v3/contenttype/forms"/>
+    <ds:schemaRef ds:uri="http://schemas.microsoft.com/office/2006/metadata/contentType"/>
+    <ds:schemaRef ds:uri="http://schemas.microsoft.com/office/2006/metadata/properties/metaAttributes"/>
+    <ds:schemaRef ds:uri="http://www.w3.org/2001/XMLSchema"/>
+    <ds:schemaRef ds:uri="http://schemas.microsoft.com/office/2006/metadata/properties"/>
+    <ds:schemaRef ds:uri="5b4efcc0-b7db-4ee5-aa1c-f153c2035a42"/>
+    <ds:schemaRef ds:uri="http://schemas.microsoft.com/office/2006/documentManagement/types"/>
+    <ds:schemaRef ds:uri="http://schemas.microsoft.com/office/infopath/2007/PartnerControls"/>
+    <ds:schemaRef ds:uri="http://schemas.openxmlformats.org/package/2006/metadata/core-properties"/>
+    <ds:schemaRef ds:uri="http://purl.org/dc/elements/1.1/"/>
+    <ds:schemaRef ds:uri="http://purl.org/dc/terms/"/>
+    <ds:schemaRef ds:uri="http://schemas.microsoft.com/internal/obd"/>
   </ds:schemaRefs>
 </ds:datastoreItem>
 </file>
@@ -8193,19 +8326,9 @@
 </file>
 
 <file path=customXml/itemProps3.xml><?xml version="1.0" encoding="utf-8"?>
-<ds:datastoreItem xmlns:ds="http://schemas.openxmlformats.org/officeDocument/2006/customXml" ds:itemID="{17522BA1-6225-42A8-B357-B9CC8B969A70}">
+<ds:datastoreItem xmlns:ds="http://schemas.openxmlformats.org/officeDocument/2006/customXml" ds:itemID="{DFFA4DD0-DD1A-4FF0-95D0-2FB463CBA813}">
   <ds:schemaRefs>
-    <ds:schemaRef ds:uri="http://schemas.microsoft.com/office/2006/metadata/contentType"/>
-    <ds:schemaRef ds:uri="http://schemas.microsoft.com/office/2006/metadata/properties/metaAttributes"/>
-    <ds:schemaRef ds:uri="http://www.w3.org/2001/XMLSchema"/>
-    <ds:schemaRef ds:uri="http://schemas.microsoft.com/office/2006/metadata/properties"/>
-    <ds:schemaRef ds:uri="5b4efcc0-b7db-4ee5-aa1c-f153c2035a42"/>
-    <ds:schemaRef ds:uri="http://schemas.microsoft.com/office/2006/documentManagement/types"/>
-    <ds:schemaRef ds:uri="http://schemas.microsoft.com/office/infopath/2007/PartnerControls"/>
-    <ds:schemaRef ds:uri="http://schemas.openxmlformats.org/package/2006/metadata/core-properties"/>
-    <ds:schemaRef ds:uri="http://purl.org/dc/elements/1.1/"/>
-    <ds:schemaRef ds:uri="http://purl.org/dc/terms/"/>
-    <ds:schemaRef ds:uri="http://schemas.microsoft.com/internal/obd"/>
+    <ds:schemaRef ds:uri="http://schemas.microsoft.com/sharepoint/v3/contenttype/forms"/>
   </ds:schemaRefs>
 </ds:datastoreItem>
 </file>